--- a/Poster.pptx
+++ b/Poster.pptx
@@ -5552,7 +5552,19 @@
           <a:p>
             <a:r>
               <a:rPr lang="en-US" dirty="0" smtClean="0"/>
-              <a:t>Neural Network model gave an accuracy of 79% when we consider the time series data till the date of churn</a:t>
+              <a:t>Neural Network model gave an accuracy </a:t>
+            </a:r>
+            <a:r>
+              <a:rPr lang="en-US" smtClean="0"/>
+              <a:t>of </a:t>
+            </a:r>
+            <a:r>
+              <a:rPr lang="en-US" smtClean="0"/>
+              <a:t>75% </a:t>
+            </a:r>
+            <a:r>
+              <a:rPr lang="en-US" dirty="0" smtClean="0"/>
+              <a:t>when we consider the time series data till the date of churn</a:t>
             </a:r>
           </a:p>
           <a:p>

--- a/Poster.pptx
+++ b/Poster.pptx
@@ -5556,11 +5556,7 @@
             </a:r>
             <a:r>
               <a:rPr lang="en-US" smtClean="0"/>
-              <a:t>of </a:t>
-            </a:r>
-            <a:r>
-              <a:rPr lang="en-US" smtClean="0"/>
-              <a:t>75% </a:t>
+              <a:t>of 75% </a:t>
             </a:r>
             <a:r>
               <a:rPr lang="en-US" dirty="0" smtClean="0"/>
@@ -5587,7 +5583,12 @@
             <p:ph type="body" sz="quarter" idx="41"/>
           </p:nvPr>
         </p:nvSpPr>
-        <p:spPr/>
+        <p:spPr>
+          <a:xfrm>
+            <a:off x="29900880" y="19157994"/>
+            <a:ext cx="12801600" cy="1219200"/>
+          </a:xfrm>
+        </p:spPr>
         <p:txBody>
           <a:bodyPr/>
           <a:lstStyle/>
@@ -5610,7 +5611,12 @@
             <p:ph sz="quarter" idx="42"/>
           </p:nvPr>
         </p:nvSpPr>
-        <p:spPr/>
+        <p:spPr>
+          <a:xfrm>
+            <a:off x="29900880" y="20341488"/>
+            <a:ext cx="12801600" cy="3686766"/>
+          </a:xfrm>
+        </p:spPr>
         <p:txBody>
           <a:bodyPr/>
           <a:lstStyle/>
@@ -5641,7 +5647,12 @@
             <p:ph type="body" sz="quarter" idx="34"/>
           </p:nvPr>
         </p:nvSpPr>
-        <p:spPr/>
+        <p:spPr>
+          <a:xfrm>
+            <a:off x="29900880" y="24067442"/>
+            <a:ext cx="12801600" cy="1219200"/>
+          </a:xfrm>
+        </p:spPr>
         <p:txBody>
           <a:bodyPr/>
           <a:lstStyle/>
@@ -5666,12 +5677,14 @@
         </p:nvSpPr>
         <p:spPr>
           <a:xfrm>
-            <a:off x="29900878" y="27203400"/>
-            <a:ext cx="12801600" cy="4462272"/>
+            <a:off x="29900878" y="25287514"/>
+            <a:ext cx="12801600" cy="2797629"/>
           </a:xfrm>
         </p:spPr>
         <p:txBody>
-          <a:bodyPr/>
+          <a:bodyPr>
+            <a:normAutofit lnSpcReduction="10000"/>
+          </a:bodyPr>
           <a:lstStyle/>
           <a:p>
             <a:r>
@@ -8179,6 +8192,117 @@
           </a:graphicData>
         </a:graphic>
       </p:graphicFrame>
+      <p:sp>
+        <p:nvSpPr>
+          <p:cNvPr id="55" name="Text Placeholder 20"/>
+          <p:cNvSpPr>
+            <a:spLocks noGrp="1"/>
+          </p:cNvSpPr>
+          <p:nvPr>
+            <p:ph type="body" sz="quarter" idx="34"/>
+          </p:nvPr>
+        </p:nvSpPr>
+        <p:spPr>
+          <a:xfrm>
+            <a:off x="29966194" y="28356414"/>
+            <a:ext cx="12801600" cy="1219200"/>
+          </a:xfrm>
+        </p:spPr>
+        <p:txBody>
+          <a:bodyPr/>
+          <a:lstStyle/>
+          <a:p>
+            <a:r>
+              <a:rPr lang="en-US" dirty="0"/>
+              <a:t>D</a:t>
+            </a:r>
+            <a:r>
+              <a:rPr lang="en-US" dirty="0" smtClean="0"/>
+              <a:t>rawbacks/Difficulties</a:t>
+            </a:r>
+            <a:endParaRPr lang="en-US" dirty="0"/>
+          </a:p>
+        </p:txBody>
+      </p:sp>
+      <p:sp>
+        <p:nvSpPr>
+          <p:cNvPr id="56" name="Content Placeholder 21"/>
+          <p:cNvSpPr>
+            <a:spLocks noGrp="1"/>
+          </p:cNvSpPr>
+          <p:nvPr>
+            <p:ph sz="quarter" idx="35"/>
+          </p:nvPr>
+        </p:nvSpPr>
+        <p:spPr>
+          <a:xfrm>
+            <a:off x="29966192" y="29532943"/>
+            <a:ext cx="12801600" cy="2797629"/>
+          </a:xfrm>
+        </p:spPr>
+        <p:txBody>
+          <a:bodyPr>
+            <a:normAutofit fontScale="92500" lnSpcReduction="10000"/>
+          </a:bodyPr>
+          <a:lstStyle/>
+          <a:p>
+            <a:pPr fontAlgn="base"/>
+            <a:r>
+              <a:rPr lang="en-US" dirty="0"/>
+              <a:t>Large Compressed files </a:t>
+            </a:r>
+          </a:p>
+          <a:p>
+            <a:pPr lvl="1" fontAlgn="base"/>
+            <a:r>
+              <a:rPr lang="en-US" dirty="0"/>
+              <a:t>Read line by line (parallel process also time consuming), </a:t>
+            </a:r>
+          </a:p>
+          <a:p>
+            <a:pPr lvl="1" fontAlgn="base"/>
+            <a:r>
+              <a:rPr lang="en-US" dirty="0"/>
+              <a:t>Can’t store all the data in one variable, </a:t>
+            </a:r>
+          </a:p>
+          <a:p>
+            <a:pPr lvl="1" fontAlgn="base"/>
+            <a:r>
+              <a:rPr lang="en-US" dirty="0"/>
+              <a:t>Cannot store Time Series data to a </a:t>
+            </a:r>
+            <a:r>
+              <a:rPr lang="en-US" dirty="0" smtClean="0"/>
+              <a:t>data frame </a:t>
+            </a:r>
+            <a:r>
+              <a:rPr lang="en-US" dirty="0"/>
+              <a:t>because of memory issues. </a:t>
+            </a:r>
+          </a:p>
+          <a:p>
+            <a:pPr fontAlgn="base"/>
+            <a:r>
+              <a:rPr lang="en-US" dirty="0"/>
+              <a:t>Not enough/ satisfactory </a:t>
+            </a:r>
+            <a:r>
+              <a:rPr lang="en-US" dirty="0" err="1"/>
+              <a:t>GZip</a:t>
+            </a:r>
+            <a:r>
+              <a:rPr lang="en-US" dirty="0"/>
+              <a:t> library </a:t>
+            </a:r>
+            <a:r>
+              <a:rPr lang="en-US" dirty="0" smtClean="0"/>
+              <a:t>documentation</a:t>
+            </a:r>
+            <a:endParaRPr lang="en-US" dirty="0"/>
+          </a:p>
+        </p:txBody>
+      </p:sp>
     </p:spTree>
     <p:extLst>
       <p:ext uri="{BB962C8B-B14F-4D97-AF65-F5344CB8AC3E}">
